--- a/Introduction to Machine Learning.pptx
+++ b/Introduction to Machine Learning.pptx
@@ -6,7 +6,7 @@
   </p:sldMasterIdLst>
   <p:sldIdLst>
     <p:sldId id="256" r:id="rId2"/>
-    <p:sldId id="269" r:id="rId3"/>
+    <p:sldId id="272" r:id="rId3"/>
     <p:sldId id="257" r:id="rId4"/>
     <p:sldId id="258" r:id="rId5"/>
     <p:sldId id="259" r:id="rId6"/>
@@ -18,7 +18,8 @@
     <p:sldId id="265" r:id="rId12"/>
     <p:sldId id="266" r:id="rId13"/>
     <p:sldId id="267" r:id="rId14"/>
-    <p:sldId id="271" r:id="rId15"/>
+    <p:sldId id="273" r:id="rId15"/>
+    <p:sldId id="271" r:id="rId16"/>
   </p:sldIdLst>
   <p:sldSz cx="9144000" cy="6858000" type="screen4x3"/>
   <p:notesSz cx="6858000" cy="9144000"/>
@@ -745,7 +746,7 @@
           <a:p>
             <a:fld id="{A944BB4E-77F3-4925-A1CC-696D887FCD93}" type="datetimeFigureOut">
               <a:rPr lang="en-US" smtClean="0"/>
-              <a:t>3/11/2022</a:t>
+              <a:t>3/14/2022</a:t>
             </a:fld>
             <a:endParaRPr lang="en-US"/>
           </a:p>
@@ -941,7 +942,7 @@
           <a:p>
             <a:fld id="{A944BB4E-77F3-4925-A1CC-696D887FCD93}" type="datetimeFigureOut">
               <a:rPr lang="en-US" smtClean="0"/>
-              <a:t>3/11/2022</a:t>
+              <a:t>3/14/2022</a:t>
             </a:fld>
             <a:endParaRPr lang="en-US"/>
           </a:p>
@@ -1126,7 +1127,7 @@
           <a:p>
             <a:fld id="{A944BB4E-77F3-4925-A1CC-696D887FCD93}" type="datetimeFigureOut">
               <a:rPr lang="en-US" smtClean="0"/>
-              <a:t>3/11/2022</a:t>
+              <a:t>3/14/2022</a:t>
             </a:fld>
             <a:endParaRPr lang="en-US"/>
           </a:p>
@@ -1276,7 +1277,7 @@
           <a:p>
             <a:fld id="{A944BB4E-77F3-4925-A1CC-696D887FCD93}" type="datetimeFigureOut">
               <a:rPr lang="en-US" smtClean="0"/>
-              <a:t>3/11/2022</a:t>
+              <a:t>3/14/2022</a:t>
             </a:fld>
             <a:endParaRPr lang="en-US"/>
           </a:p>
@@ -1531,7 +1532,7 @@
           <a:p>
             <a:fld id="{A944BB4E-77F3-4925-A1CC-696D887FCD93}" type="datetimeFigureOut">
               <a:rPr lang="en-US" smtClean="0"/>
-              <a:t>3/11/2022</a:t>
+              <a:t>3/14/2022</a:t>
             </a:fld>
             <a:endParaRPr lang="en-US"/>
           </a:p>
@@ -1940,7 +1941,7 @@
           <a:p>
             <a:fld id="{A944BB4E-77F3-4925-A1CC-696D887FCD93}" type="datetimeFigureOut">
               <a:rPr lang="en-US" smtClean="0"/>
-              <a:t>3/11/2022</a:t>
+              <a:t>3/14/2022</a:t>
             </a:fld>
             <a:endParaRPr lang="en-US"/>
           </a:p>
@@ -2386,7 +2387,7 @@
           <a:p>
             <a:fld id="{A944BB4E-77F3-4925-A1CC-696D887FCD93}" type="datetimeFigureOut">
               <a:rPr lang="en-US" smtClean="0"/>
-              <a:t>3/11/2022</a:t>
+              <a:t>3/14/2022</a:t>
             </a:fld>
             <a:endParaRPr lang="en-US"/>
           </a:p>
@@ -2487,7 +2488,7 @@
           <a:p>
             <a:fld id="{A944BB4E-77F3-4925-A1CC-696D887FCD93}" type="datetimeFigureOut">
               <a:rPr lang="en-US" smtClean="0"/>
-              <a:t>3/11/2022</a:t>
+              <a:t>3/14/2022</a:t>
             </a:fld>
             <a:endParaRPr lang="en-US"/>
           </a:p>
@@ -2608,7 +2609,7 @@
           <a:p>
             <a:fld id="{A944BB4E-77F3-4925-A1CC-696D887FCD93}" type="datetimeFigureOut">
               <a:rPr lang="en-US" smtClean="0"/>
-              <a:t>3/11/2022</a:t>
+              <a:t>3/14/2022</a:t>
             </a:fld>
             <a:endParaRPr lang="en-US"/>
           </a:p>
@@ -2882,7 +2883,7 @@
           <a:p>
             <a:fld id="{A944BB4E-77F3-4925-A1CC-696D887FCD93}" type="datetimeFigureOut">
               <a:rPr lang="en-US" smtClean="0"/>
-              <a:t>3/11/2022</a:t>
+              <a:t>3/14/2022</a:t>
             </a:fld>
             <a:endParaRPr lang="en-US"/>
           </a:p>
@@ -3087,7 +3088,7 @@
           <a:p>
             <a:fld id="{A944BB4E-77F3-4925-A1CC-696D887FCD93}" type="datetimeFigureOut">
               <a:rPr lang="en-US" smtClean="0"/>
-              <a:t>3/11/2022</a:t>
+              <a:t>3/14/2022</a:t>
             </a:fld>
             <a:endParaRPr lang="en-US"/>
           </a:p>
@@ -4196,7 +4197,7 @@
           <a:p>
             <a:fld id="{A944BB4E-77F3-4925-A1CC-696D887FCD93}" type="datetimeFigureOut">
               <a:rPr lang="en-US" smtClean="0"/>
-              <a:t>3/11/2022</a:t>
+              <a:t>3/14/2022</a:t>
             </a:fld>
             <a:endParaRPr lang="en-US"/>
           </a:p>
@@ -4683,10 +4684,6 @@
               <a:rPr lang="en-US" dirty="0"/>
               <a:t>– Training Data</a:t>
             </a:r>
-            <a:r>
-              <a:rPr lang="en-US" dirty="0"/>
-              <a:t/>
-            </a:r>
             <a:br>
               <a:rPr lang="en-US" dirty="0"/>
             </a:br>
@@ -4694,10 +4691,6 @@
               <a:rPr lang="en-US" dirty="0"/>
               <a:t>– data used to learn a model</a:t>
             </a:r>
-            <a:r>
-              <a:rPr lang="en-US" dirty="0"/>
-              <a:t/>
-            </a:r>
             <a:br>
               <a:rPr lang="en-US" dirty="0"/>
             </a:br>
@@ -4705,10 +4698,6 @@
               <a:rPr lang="en-US" dirty="0"/>
               <a:t>– Test Data</a:t>
             </a:r>
-            <a:r>
-              <a:rPr lang="en-US" dirty="0"/>
-              <a:t/>
-            </a:r>
             <a:br>
               <a:rPr lang="en-US" dirty="0"/>
             </a:br>
@@ -4716,10 +4705,6 @@
               <a:rPr lang="en-US" dirty="0"/>
               <a:t>– data used to assess the accuracy of model</a:t>
             </a:r>
-            <a:r>
-              <a:rPr lang="en-US" dirty="0"/>
-              <a:t/>
-            </a:r>
             <a:br>
               <a:rPr lang="en-US" dirty="0"/>
             </a:br>
@@ -4727,10 +4712,6 @@
               <a:rPr lang="en-US" dirty="0"/>
               <a:t>– Overfitting</a:t>
             </a:r>
-            <a:r>
-              <a:rPr lang="en-US" dirty="0"/>
-              <a:t/>
-            </a:r>
             <a:br>
               <a:rPr lang="en-US" dirty="0"/>
             </a:br>
@@ -4738,7 +4719,6 @@
               <a:rPr lang="en-US" dirty="0"/>
               <a:t>– Model performs well on training data but poorly on test data</a:t>
             </a:r>
-            <a:endParaRPr lang="en-US" dirty="0"/>
           </a:p>
         </p:txBody>
       </p:sp>
@@ -4769,15 +4749,6 @@
               </a:rPr>
               <a:t>Training and Test Data</a:t>
             </a:r>
-            <a:endParaRPr lang="en-US" dirty="0">
-              <a:effectLst>
-                <a:outerShdw blurRad="38100" dist="38100" dir="2700000" algn="tl">
-                  <a:srgbClr val="000000">
-                    <a:alpha val="43137"/>
-                  </a:srgbClr>
-                </a:outerShdw>
-              </a:effectLst>
-            </a:endParaRPr>
           </a:p>
         </p:txBody>
       </p:sp>
@@ -4865,10 +4836,6 @@
               <a:rPr lang="en-US" dirty="0"/>
               <a:t>– Bias: expected difference between model’s prediction and truth</a:t>
             </a:r>
-            <a:r>
-              <a:rPr lang="en-US" dirty="0"/>
-              <a:t/>
-            </a:r>
             <a:br>
               <a:rPr lang="en-US" dirty="0"/>
             </a:br>
@@ -4876,10 +4843,6 @@
               <a:rPr lang="en-US" dirty="0"/>
               <a:t>– Variance: how much the model differs among training sets</a:t>
             </a:r>
-            <a:r>
-              <a:rPr lang="en-US" dirty="0"/>
-              <a:t/>
-            </a:r>
             <a:br>
               <a:rPr lang="en-US" dirty="0"/>
             </a:br>
@@ -4887,10 +4850,6 @@
               <a:rPr lang="en-US" dirty="0"/>
               <a:t>– Model Scenarios</a:t>
             </a:r>
-            <a:r>
-              <a:rPr lang="en-US" dirty="0"/>
-              <a:t/>
-            </a:r>
             <a:br>
               <a:rPr lang="en-US" dirty="0"/>
             </a:br>
@@ -4898,10 +4857,6 @@
               <a:rPr lang="en-US" dirty="0"/>
               <a:t>– High Bias: Model makes inaccurate predictions on training data</a:t>
             </a:r>
-            <a:r>
-              <a:rPr lang="en-US" dirty="0"/>
-              <a:t/>
-            </a:r>
             <a:br>
               <a:rPr lang="en-US" dirty="0"/>
             </a:br>
@@ -4909,10 +4864,6 @@
               <a:rPr lang="en-US" dirty="0"/>
               <a:t>– High Variance: Model does not generalize to new datasets</a:t>
             </a:r>
-            <a:r>
-              <a:rPr lang="en-US" dirty="0"/>
-              <a:t/>
-            </a:r>
             <a:br>
               <a:rPr lang="en-US" dirty="0"/>
             </a:br>
@@ -4920,10 +4871,6 @@
               <a:rPr lang="en-US" dirty="0"/>
               <a:t>– Low Bias: Model makes accurate predictions on training data</a:t>
             </a:r>
-            <a:r>
-              <a:rPr lang="en-US" dirty="0"/>
-              <a:t/>
-            </a:r>
             <a:br>
               <a:rPr lang="en-US" dirty="0"/>
             </a:br>
@@ -4931,7 +4878,6 @@
               <a:rPr lang="en-US" dirty="0"/>
               <a:t>– Low Variance: Model generalizes to new datasets</a:t>
             </a:r>
-            <a:endParaRPr lang="en-US" dirty="0"/>
           </a:p>
         </p:txBody>
       </p:sp>
@@ -4963,15 +4909,6 @@
               </a:rPr>
               <a:t>Bias and Variance</a:t>
             </a:r>
-            <a:endParaRPr lang="en-US" dirty="0">
-              <a:effectLst>
-                <a:outerShdw blurRad="38100" dist="38100" dir="2700000" algn="tl">
-                  <a:srgbClr val="000000">
-                    <a:alpha val="43137"/>
-                  </a:srgbClr>
-                </a:outerShdw>
-              </a:effectLst>
-            </a:endParaRPr>
           </a:p>
         </p:txBody>
       </p:sp>
@@ -5027,10 +4964,6 @@
               <a:rPr lang="en-US" dirty="0"/>
               <a:t>– Linear Regression</a:t>
             </a:r>
-            <a:r>
-              <a:rPr lang="en-US" dirty="0"/>
-              <a:t/>
-            </a:r>
             <a:br>
               <a:rPr lang="en-US" dirty="0"/>
             </a:br>
@@ -5038,10 +4971,6 @@
               <a:rPr lang="en-US" dirty="0"/>
               <a:t>– Decision Trees</a:t>
             </a:r>
-            <a:r>
-              <a:rPr lang="en-US" dirty="0"/>
-              <a:t/>
-            </a:r>
             <a:br>
               <a:rPr lang="en-US" dirty="0"/>
             </a:br>
@@ -5049,10 +4978,6 @@
               <a:rPr lang="en-US" dirty="0"/>
               <a:t>– Support Vector Machines</a:t>
             </a:r>
-            <a:r>
-              <a:rPr lang="en-US" dirty="0"/>
-              <a:t/>
-            </a:r>
             <a:br>
               <a:rPr lang="en-US" dirty="0"/>
             </a:br>
@@ -5060,10 +4985,6 @@
               <a:rPr lang="en-US" dirty="0"/>
               <a:t>– K-Nearest Neighbor</a:t>
             </a:r>
-            <a:r>
-              <a:rPr lang="en-US" dirty="0"/>
-              <a:t/>
-            </a:r>
             <a:br>
               <a:rPr lang="en-US" dirty="0"/>
             </a:br>
@@ -5071,7 +4992,6 @@
               <a:rPr lang="en-US" dirty="0"/>
               <a:t>– Neural Networks</a:t>
             </a:r>
-            <a:endParaRPr lang="en-US" dirty="0"/>
           </a:p>
         </p:txBody>
       </p:sp>
@@ -5105,15 +5025,6 @@
               </a:rPr>
               <a:t>Supervised Learning Algorithms</a:t>
             </a:r>
-            <a:endParaRPr lang="en-US" dirty="0">
-              <a:effectLst>
-                <a:outerShdw blurRad="38100" dist="38100" dir="2700000" algn="tl">
-                  <a:srgbClr val="000000">
-                    <a:alpha val="43137"/>
-                  </a:srgbClr>
-                </a:outerShdw>
-              </a:effectLst>
-            </a:endParaRPr>
           </a:p>
         </p:txBody>
       </p:sp>
@@ -5686,15 +5597,6 @@
               </a:rPr>
               <a:t>Supervised Learning Frameworks</a:t>
             </a:r>
-            <a:endParaRPr lang="en-US" dirty="0">
-              <a:effectLst>
-                <a:outerShdw blurRad="38100" dist="38100" dir="2700000" algn="tl">
-                  <a:srgbClr val="000000">
-                    <a:alpha val="43137"/>
-                  </a:srgbClr>
-                </a:outerShdw>
-              </a:effectLst>
-            </a:endParaRPr>
           </a:p>
         </p:txBody>
       </p:sp>
@@ -5712,6 +5614,91 @@
 </file>
 
 <file path=ppt/slides/slide14.xml><?xml version="1.0" encoding="utf-8"?>
+<p:sld xmlns:a="http://schemas.openxmlformats.org/drawingml/2006/main" xmlns:r="http://schemas.openxmlformats.org/officeDocument/2006/relationships" xmlns:p="http://schemas.openxmlformats.org/presentationml/2006/main">
+  <p:cSld>
+    <p:spTree>
+      <p:nvGrpSpPr>
+        <p:cNvPr id="1" name=""/>
+        <p:cNvGrpSpPr/>
+        <p:nvPr/>
+      </p:nvGrpSpPr>
+      <p:grpSpPr>
+        <a:xfrm>
+          <a:off x="0" y="0"/>
+          <a:ext cx="0" cy="0"/>
+          <a:chOff x="0" y="0"/>
+          <a:chExt cx="0" cy="0"/>
+        </a:xfrm>
+      </p:grpSpPr>
+      <p:sp>
+        <p:nvSpPr>
+          <p:cNvPr id="2" name="Content Placeholder 1"/>
+          <p:cNvSpPr>
+            <a:spLocks noGrp="1"/>
+          </p:cNvSpPr>
+          <p:nvPr>
+            <p:ph idx="1"/>
+          </p:nvPr>
+        </p:nvSpPr>
+        <p:spPr>
+          <a:xfrm>
+            <a:off x="457200" y="2895600"/>
+            <a:ext cx="8229600" cy="4525963"/>
+          </a:xfrm>
+        </p:spPr>
+        <p:txBody>
+          <a:bodyPr/>
+          <a:lstStyle/>
+          <a:p>
+            <a:pPr marL="109728" indent="0">
+              <a:buNone/>
+            </a:pPr>
+            <a:r>
+              <a:rPr lang="en-US" b="1" dirty="0" smtClean="0"/>
+              <a:t>Rather than giving the program the rules,an algorithm finds the rules for us.</a:t>
+            </a:r>
+            <a:endParaRPr lang="en-US" b="1" dirty="0"/>
+          </a:p>
+        </p:txBody>
+      </p:sp>
+      <p:sp>
+        <p:nvSpPr>
+          <p:cNvPr id="3" name="Title 2"/>
+          <p:cNvSpPr>
+            <a:spLocks noGrp="1"/>
+          </p:cNvSpPr>
+          <p:nvPr>
+            <p:ph type="title"/>
+          </p:nvPr>
+        </p:nvSpPr>
+        <p:spPr/>
+        <p:txBody>
+          <a:bodyPr/>
+          <a:lstStyle/>
+          <a:p>
+            <a:pPr algn="ctr"/>
+            <a:r>
+              <a:rPr lang="en-US" u="sng" dirty="0" smtClean="0"/>
+              <a:t>Machine Learning summary</a:t>
+            </a:r>
+            <a:endParaRPr lang="en-US" u="sng" dirty="0"/>
+          </a:p>
+        </p:txBody>
+      </p:sp>
+    </p:spTree>
+    <p:extLst>
+      <p:ext uri="{BB962C8B-B14F-4D97-AF65-F5344CB8AC3E}">
+        <p14:creationId xmlns:p14="http://schemas.microsoft.com/office/powerpoint/2010/main" val="3935236309"/>
+      </p:ext>
+    </p:extLst>
+  </p:cSld>
+  <p:clrMapOvr>
+    <a:masterClrMapping/>
+  </p:clrMapOvr>
+</p:sld>
+</file>
+
+<file path=ppt/slides/slide15.xml><?xml version="1.0" encoding="utf-8"?>
 <p:sld xmlns:a="http://schemas.openxmlformats.org/drawingml/2006/main" xmlns:r="http://schemas.openxmlformats.org/officeDocument/2006/relationships" xmlns:p="http://schemas.openxmlformats.org/presentationml/2006/main">
   <p:cSld>
     <p:spTree>
@@ -5818,38 +5805,115 @@
           <a:chExt cx="0" cy="0"/>
         </a:xfrm>
       </p:grpSpPr>
-      <p:sp>
-        <p:nvSpPr>
-          <p:cNvPr id="2" name="Title 1"/>
-          <p:cNvSpPr>
-            <a:spLocks noGrp="1"/>
-          </p:cNvSpPr>
-          <p:nvPr>
-            <p:ph type="title"/>
-          </p:nvPr>
+      <p:pic>
+        <p:nvPicPr>
+          <p:cNvPr id="1026" name="Picture 2"/>
+          <p:cNvPicPr>
+            <a:picLocks noChangeAspect="1" noChangeArrowheads="1"/>
+          </p:cNvPicPr>
+          <p:nvPr/>
+        </p:nvPicPr>
+        <p:blipFill>
+          <a:blip r:embed="rId2">
+            <a:extLst>
+              <a:ext uri="{28A0092B-C50C-407E-A947-70E740481C1C}">
+                <a14:useLocalDpi xmlns:a14="http://schemas.microsoft.com/office/drawing/2010/main" val="0"/>
+              </a:ext>
+            </a:extLst>
+          </a:blip>
+          <a:srcRect/>
+          <a:stretch>
+            <a:fillRect/>
+          </a:stretch>
+        </p:blipFill>
+        <p:spPr bwMode="auto">
+          <a:xfrm>
+            <a:off x="838200" y="457200"/>
+            <a:ext cx="6934200" cy="3124200"/>
+          </a:xfrm>
+          <a:prstGeom prst="rect">
+            <a:avLst/>
+          </a:prstGeom>
+          <a:noFill/>
+          <a:ln>
+            <a:noFill/>
+          </a:ln>
+          <a:effectLst/>
+          <a:extLst>
+            <a:ext uri="{909E8E84-426E-40DD-AFC4-6F175D3DCCD1}">
+              <a14:hiddenFill xmlns:a14="http://schemas.microsoft.com/office/drawing/2010/main">
+                <a:solidFill>
+                  <a:schemeClr val="accent1"/>
+                </a:solidFill>
+              </a14:hiddenFill>
+            </a:ext>
+            <a:ext uri="{91240B29-F687-4F45-9708-019B960494DF}">
+              <a14:hiddenLine xmlns:a14="http://schemas.microsoft.com/office/drawing/2010/main" w="9525">
+                <a:solidFill>
+                  <a:schemeClr val="tx1"/>
+                </a:solidFill>
+                <a:miter lim="800000"/>
+                <a:headEnd/>
+                <a:tailEnd/>
+              </a14:hiddenLine>
+            </a:ext>
+            <a:ext uri="{AF507438-7753-43E0-B8FC-AC1667EBCBE1}">
+              <a14:hiddenEffects xmlns:a14="http://schemas.microsoft.com/office/drawing/2010/main">
+                <a:effectLst>
+                  <a:outerShdw dist="35921" dir="2700000" algn="ctr" rotWithShape="0">
+                    <a:schemeClr val="bg2"/>
+                  </a:outerShdw>
+                </a:effectLst>
+              </a14:hiddenEffects>
+            </a:ext>
+          </a:extLst>
+        </p:spPr>
+      </p:pic>
+      <p:sp>
+        <p:nvSpPr>
+          <p:cNvPr id="2" name="TextBox 1"/>
+          <p:cNvSpPr txBox="1"/>
+          <p:nvPr/>
         </p:nvSpPr>
         <p:spPr>
           <a:xfrm>
-            <a:off x="457200" y="274638"/>
-            <a:ext cx="8229600" cy="6126162"/>
+            <a:off x="990600" y="4191000"/>
+            <a:ext cx="7239000" cy="1292662"/>
           </a:xfrm>
+          <a:prstGeom prst="rect">
+            <a:avLst/>
+          </a:prstGeom>
+          <a:noFill/>
         </p:spPr>
         <p:txBody>
-          <a:bodyPr/>
+          <a:bodyPr wrap="square" rtlCol="0">
+            <a:spAutoFit/>
+          </a:bodyPr>
           <a:lstStyle/>
           <a:p>
             <a:r>
               <a:rPr lang="en-US" dirty="0" smtClean="0"/>
-              <a:t>Introduction to Machine Learning</a:t>
-            </a:r>
-            <a:endParaRPr lang="en-US" dirty="0"/>
+              <a:t>Goal For Machine Learning model:</a:t>
+            </a:r>
+          </a:p>
+          <a:p>
+            <a:endParaRPr lang="en-US" b="1" dirty="0"/>
+          </a:p>
+          <a:p>
+            <a:r>
+              <a:rPr lang="en-US" sz="2400" b="1" dirty="0" smtClean="0"/>
+              <a:t>Highest accuracy possible</a:t>
+            </a:r>
+          </a:p>
+          <a:p>
+            <a:endParaRPr lang="en-US" b="1" dirty="0"/>
           </a:p>
         </p:txBody>
       </p:sp>
     </p:spTree>
     <p:extLst>
       <p:ext uri="{BB962C8B-B14F-4D97-AF65-F5344CB8AC3E}">
-        <p14:creationId xmlns:p14="http://schemas.microsoft.com/office/powerpoint/2010/main" val="2850662041"/>
+        <p14:creationId xmlns:p14="http://schemas.microsoft.com/office/powerpoint/2010/main" val="3085423413"/>
       </p:ext>
     </p:extLst>
   </p:cSld>
@@ -6485,10 +6549,6 @@
               <a:rPr lang="en-US" dirty="0"/>
               <a:t>– Features are the observations that are used to form predictions</a:t>
             </a:r>
-            <a:r>
-              <a:rPr lang="en-US" dirty="0"/>
-              <a:t/>
-            </a:r>
             <a:br>
               <a:rPr lang="en-US" dirty="0"/>
             </a:br>
@@ -6496,10 +6556,6 @@
               <a:rPr lang="en-US" dirty="0"/>
               <a:t>– For image classification, the pixels are the features</a:t>
             </a:r>
-            <a:r>
-              <a:rPr lang="en-US" dirty="0"/>
-              <a:t/>
-            </a:r>
             <a:br>
               <a:rPr lang="en-US" dirty="0"/>
             </a:br>
@@ -6507,10 +6563,6 @@
               <a:rPr lang="en-US" dirty="0"/>
               <a:t>– For voice recognition, the pitch and volume of the sound samples are the features</a:t>
             </a:r>
-            <a:r>
-              <a:rPr lang="en-US" dirty="0"/>
-              <a:t/>
-            </a:r>
             <a:br>
               <a:rPr lang="en-US" dirty="0"/>
             </a:br>
@@ -6518,10 +6570,6 @@
               <a:rPr lang="en-US" dirty="0"/>
               <a:t>– For autonomous cars, data from the cameras, range sensors, and GPS are features</a:t>
             </a:r>
-            <a:r>
-              <a:rPr lang="en-US" dirty="0"/>
-              <a:t/>
-            </a:r>
             <a:br>
               <a:rPr lang="en-US" dirty="0"/>
             </a:br>
@@ -6529,10 +6577,6 @@
               <a:rPr lang="en-US" dirty="0"/>
               <a:t>– Extracting relevant features is important for building a model</a:t>
             </a:r>
-            <a:r>
-              <a:rPr lang="en-US" dirty="0"/>
-              <a:t/>
-            </a:r>
             <a:br>
               <a:rPr lang="en-US" dirty="0"/>
             </a:br>
@@ -6540,10 +6584,6 @@
               <a:rPr lang="en-US" dirty="0"/>
               <a:t>– Time of day is an irrelevant feature when classifying images</a:t>
             </a:r>
-            <a:r>
-              <a:rPr lang="en-US" dirty="0"/>
-              <a:t/>
-            </a:r>
             <a:br>
               <a:rPr lang="en-US" dirty="0"/>
             </a:br>
@@ -6551,10 +6591,6 @@
               <a:rPr lang="en-US" dirty="0"/>
               <a:t>– Time of day is relevant when classifying emails because SPAM often occurs at night</a:t>
             </a:r>
-            <a:r>
-              <a:rPr lang="en-US" dirty="0"/>
-              <a:t/>
-            </a:r>
             <a:br>
               <a:rPr lang="en-US" dirty="0"/>
             </a:br>
@@ -6562,10 +6598,6 @@
               <a:rPr lang="en-US" dirty="0"/>
               <a:t>– Common Types of Features in Robotics</a:t>
             </a:r>
-            <a:r>
-              <a:rPr lang="en-US" dirty="0"/>
-              <a:t/>
-            </a:r>
             <a:br>
               <a:rPr lang="en-US" dirty="0"/>
             </a:br>
@@ -6573,10 +6605,6 @@
               <a:rPr lang="en-US" dirty="0"/>
               <a:t>– Pixels (RGB data)</a:t>
             </a:r>
-            <a:r>
-              <a:rPr lang="en-US" dirty="0"/>
-              <a:t/>
-            </a:r>
             <a:br>
               <a:rPr lang="en-US" dirty="0"/>
             </a:br>
@@ -6584,10 +6612,6 @@
               <a:rPr lang="en-US" dirty="0"/>
               <a:t>– Depth data (sonar, laser rangefinders)</a:t>
             </a:r>
-            <a:r>
-              <a:rPr lang="en-US" dirty="0"/>
-              <a:t/>
-            </a:r>
             <a:br>
               <a:rPr lang="en-US" dirty="0"/>
             </a:br>
@@ -6595,10 +6619,6 @@
               <a:rPr lang="en-US" dirty="0"/>
               <a:t>– Movement (encoder values)</a:t>
             </a:r>
-            <a:r>
-              <a:rPr lang="en-US" dirty="0"/>
-              <a:t/>
-            </a:r>
             <a:br>
               <a:rPr lang="en-US" dirty="0"/>
             </a:br>
@@ -6606,7 +6626,6 @@
               <a:rPr lang="en-US" dirty="0"/>
               <a:t>– Orientation or Acceleration (Gyroscope, Accelerometer, Compass)</a:t>
             </a:r>
-            <a:endParaRPr lang="en-US" dirty="0"/>
           </a:p>
         </p:txBody>
       </p:sp>
@@ -6690,10 +6709,6 @@
               <a:rPr lang="en-US" sz="2800" dirty="0"/>
               <a:t>– True Positive: Correctly identified as relevant</a:t>
             </a:r>
-            <a:r>
-              <a:rPr lang="en-US" sz="2800" dirty="0"/>
-              <a:t/>
-            </a:r>
             <a:br>
               <a:rPr lang="en-US" sz="2800" dirty="0"/>
             </a:br>
@@ -6701,10 +6716,6 @@
               <a:rPr lang="en-US" sz="2800" dirty="0"/>
               <a:t>– True Negative: Correctly identified as not relevant</a:t>
             </a:r>
-            <a:r>
-              <a:rPr lang="en-US" sz="2800" dirty="0"/>
-              <a:t/>
-            </a:r>
             <a:br>
               <a:rPr lang="en-US" sz="2800" dirty="0"/>
             </a:br>
@@ -6712,10 +6723,6 @@
               <a:rPr lang="en-US" sz="2800" dirty="0"/>
               <a:t>– False Positive: Incorrectly labeled as relevant</a:t>
             </a:r>
-            <a:r>
-              <a:rPr lang="en-US" sz="2800" dirty="0"/>
-              <a:t/>
-            </a:r>
             <a:br>
               <a:rPr lang="en-US" sz="2800" dirty="0"/>
             </a:br>
@@ -6723,7 +6730,6 @@
               <a:rPr lang="en-US" sz="2800" dirty="0"/>
               <a:t>– False Negative: Incorrectly labeled as not relevant</a:t>
             </a:r>
-            <a:endParaRPr lang="en-US" sz="2800" dirty="0"/>
           </a:p>
         </p:txBody>
       </p:sp>
@@ -6757,15 +6763,6 @@
               </a:rPr>
               <a:t>Measuring Success for Classification</a:t>
             </a:r>
-            <a:endParaRPr lang="en-US" sz="3200" dirty="0">
-              <a:effectLst>
-                <a:outerShdw blurRad="38100" dist="38100" dir="2700000" algn="tl">
-                  <a:srgbClr val="000000">
-                    <a:alpha val="43137"/>
-                  </a:srgbClr>
-                </a:outerShdw>
-              </a:effectLst>
-            </a:endParaRPr>
           </a:p>
         </p:txBody>
       </p:sp>
@@ -6883,10 +6880,6 @@
               <a:rPr lang="en-US" dirty="0"/>
               <a:t>– Precision</a:t>
             </a:r>
-            <a:r>
-              <a:rPr lang="en-US" dirty="0"/>
-              <a:t/>
-            </a:r>
             <a:br>
               <a:rPr lang="en-US" dirty="0"/>
             </a:br>
@@ -6894,10 +6887,6 @@
               <a:rPr lang="en-US" dirty="0"/>
               <a:t>– Percentage of positive labels that are correct</a:t>
             </a:r>
-            <a:r>
-              <a:rPr lang="en-US" dirty="0"/>
-              <a:t/>
-            </a:r>
             <a:br>
               <a:rPr lang="en-US" dirty="0"/>
             </a:br>
@@ -6905,10 +6894,6 @@
               <a:rPr lang="en-US" dirty="0"/>
               <a:t>– Precision = (# true positives) / (# true positives + # false positives)</a:t>
             </a:r>
-            <a:r>
-              <a:rPr lang="en-US" dirty="0"/>
-              <a:t/>
-            </a:r>
             <a:br>
               <a:rPr lang="en-US" dirty="0"/>
             </a:br>
@@ -6916,10 +6901,6 @@
               <a:rPr lang="en-US" dirty="0"/>
               <a:t>– Recall</a:t>
             </a:r>
-            <a:r>
-              <a:rPr lang="en-US" dirty="0"/>
-              <a:t/>
-            </a:r>
             <a:br>
               <a:rPr lang="en-US" dirty="0"/>
             </a:br>
@@ -6927,10 +6908,6 @@
               <a:rPr lang="en-US" dirty="0"/>
               <a:t>– Percentage of positive examples that are correctly labeled</a:t>
             </a:r>
-            <a:r>
-              <a:rPr lang="en-US" dirty="0"/>
-              <a:t/>
-            </a:r>
             <a:br>
               <a:rPr lang="en-US" dirty="0"/>
             </a:br>
@@ -6938,10 +6915,6 @@
               <a:rPr lang="en-US" dirty="0"/>
               <a:t>– Recall = (# true positives) / (# true positives + # false negatives)</a:t>
             </a:r>
-            <a:r>
-              <a:rPr lang="en-US" dirty="0"/>
-              <a:t/>
-            </a:r>
             <a:br>
               <a:rPr lang="en-US" dirty="0"/>
             </a:br>
@@ -6949,10 +6922,6 @@
               <a:rPr lang="en-US" dirty="0"/>
               <a:t>– Accuracy</a:t>
             </a:r>
-            <a:r>
-              <a:rPr lang="en-US" dirty="0"/>
-              <a:t/>
-            </a:r>
             <a:br>
               <a:rPr lang="en-US" dirty="0"/>
             </a:br>
@@ -6960,10 +6929,6 @@
               <a:rPr lang="en-US" dirty="0"/>
               <a:t>– Percentage of correct labels</a:t>
             </a:r>
-            <a:r>
-              <a:rPr lang="en-US" dirty="0"/>
-              <a:t/>
-            </a:r>
             <a:br>
               <a:rPr lang="en-US" dirty="0"/>
             </a:br>
@@ -6971,7 +6936,6 @@
               <a:rPr lang="en-US" dirty="0"/>
               <a:t>– Accuracy = (# true positives + # true negatives) / (# of samples)</a:t>
             </a:r>
-            <a:endParaRPr lang="en-US" dirty="0"/>
           </a:p>
         </p:txBody>
       </p:sp>
@@ -7002,15 +6966,6 @@
               </a:rPr>
               <a:t>Precision, Recall, and Accuracy</a:t>
             </a:r>
-            <a:endParaRPr lang="en-US" dirty="0">
-              <a:effectLst>
-                <a:outerShdw blurRad="38100" dist="38100" dir="2700000" algn="tl">
-                  <a:srgbClr val="000000">
-                    <a:alpha val="43137"/>
-                  </a:srgbClr>
-                </a:outerShdw>
-              </a:effectLst>
-            </a:endParaRPr>
           </a:p>
         </p:txBody>
       </p:sp>
